--- a/images/theory_analysis/ZeroMQ/ZeroMQ.pptx
+++ b/images/theory_analysis/ZeroMQ/ZeroMQ.pptx
@@ -5,7 +5,7 @@
     <p:sldMasterId id="2147483648" r:id="rId1"/>
   </p:sldMasterIdLst>
   <p:notesMasterIdLst>
-    <p:notesMasterId r:id="rId8"/>
+    <p:notesMasterId r:id="rId9"/>
   </p:notesMasterIdLst>
   <p:sldIdLst>
     <p:sldId id="369" r:id="rId2"/>
@@ -13,7 +13,8 @@
     <p:sldId id="367" r:id="rId4"/>
     <p:sldId id="371" r:id="rId5"/>
     <p:sldId id="372" r:id="rId6"/>
-    <p:sldId id="368" r:id="rId7"/>
+    <p:sldId id="374" r:id="rId7"/>
+    <p:sldId id="368" r:id="rId8"/>
   </p:sldIdLst>
   <p:sldSz cx="9144000" cy="5143500" type="screen16x9"/>
   <p:notesSz cx="6858000" cy="9144000"/>
@@ -218,7 +219,7 @@
           <a:p>
             <a:fld id="{6CD5550B-26C4-49A9-A5BA-636EF7BE6CE9}" type="datetimeFigureOut">
               <a:rPr lang="ko-KR" altLang="en-US" smtClean="0"/>
-              <a:t>2020-02-11</a:t>
+              <a:t>2020-02-27</a:t>
             </a:fld>
             <a:endParaRPr lang="ko-KR" altLang="en-US"/>
           </a:p>
@@ -905,6 +906,90 @@
 </p:notes>
 </file>
 
+<file path=ppt/notesSlides/notesSlide6.xml><?xml version="1.0" encoding="utf-8"?>
+<p:notes xmlns:a="http://schemas.openxmlformats.org/drawingml/2006/main" xmlns:r="http://schemas.openxmlformats.org/officeDocument/2006/relationships" xmlns:p="http://schemas.openxmlformats.org/presentationml/2006/main">
+  <p:cSld>
+    <p:spTree>
+      <p:nvGrpSpPr>
+        <p:cNvPr id="1" name=""/>
+        <p:cNvGrpSpPr/>
+        <p:nvPr/>
+      </p:nvGrpSpPr>
+      <p:grpSpPr>
+        <a:xfrm>
+          <a:off x="0" y="0"/>
+          <a:ext cx="0" cy="0"/>
+          <a:chOff x="0" y="0"/>
+          <a:chExt cx="0" cy="0"/>
+        </a:xfrm>
+      </p:grpSpPr>
+      <p:sp>
+        <p:nvSpPr>
+          <p:cNvPr id="2" name="슬라이드 이미지 개체 틀 1"/>
+          <p:cNvSpPr>
+            <a:spLocks noGrp="1" noRot="1" noChangeAspect="1"/>
+          </p:cNvSpPr>
+          <p:nvPr>
+            <p:ph type="sldImg"/>
+          </p:nvPr>
+        </p:nvSpPr>
+        <p:spPr/>
+      </p:sp>
+      <p:sp>
+        <p:nvSpPr>
+          <p:cNvPr id="3" name="슬라이드 노트 개체 틀 2"/>
+          <p:cNvSpPr>
+            <a:spLocks noGrp="1"/>
+          </p:cNvSpPr>
+          <p:nvPr>
+            <p:ph type="body" idx="1"/>
+          </p:nvPr>
+        </p:nvSpPr>
+        <p:spPr/>
+        <p:txBody>
+          <a:bodyPr/>
+          <a:lstStyle/>
+          <a:p>
+            <a:endParaRPr lang="ko-KR" altLang="en-US"/>
+          </a:p>
+        </p:txBody>
+      </p:sp>
+      <p:sp>
+        <p:nvSpPr>
+          <p:cNvPr id="4" name="슬라이드 번호 개체 틀 3"/>
+          <p:cNvSpPr>
+            <a:spLocks noGrp="1"/>
+          </p:cNvSpPr>
+          <p:nvPr>
+            <p:ph type="sldNum" sz="quarter" idx="10"/>
+          </p:nvPr>
+        </p:nvSpPr>
+        <p:spPr/>
+        <p:txBody>
+          <a:bodyPr/>
+          <a:lstStyle/>
+          <a:p>
+            <a:fld id="{BA5DFA43-8D57-47FB-BC46-057616015C3B}" type="slidenum">
+              <a:rPr lang="ko-KR" altLang="en-US" smtClean="0"/>
+              <a:t>6</a:t>
+            </a:fld>
+            <a:endParaRPr lang="ko-KR" altLang="en-US"/>
+          </a:p>
+        </p:txBody>
+      </p:sp>
+    </p:spTree>
+    <p:extLst>
+      <p:ext uri="{BB962C8B-B14F-4D97-AF65-F5344CB8AC3E}">
+        <p14:creationId xmlns:p14="http://schemas.microsoft.com/office/powerpoint/2010/main" val="1586568016"/>
+      </p:ext>
+    </p:extLst>
+  </p:cSld>
+  <p:clrMapOvr>
+    <a:masterClrMapping/>
+  </p:clrMapOvr>
+</p:notes>
+</file>
+
 <file path=ppt/slideLayouts/slideLayout1.xml><?xml version="1.0" encoding="utf-8"?>
 <p:sldLayout xmlns:a="http://schemas.openxmlformats.org/drawingml/2006/main" xmlns:r="http://schemas.openxmlformats.org/officeDocument/2006/relationships" xmlns:p="http://schemas.openxmlformats.org/presentationml/2006/main" type="title" preserve="1">
   <p:cSld name="제목 슬라이드">
@@ -1084,7 +1169,7 @@
           <a:p>
             <a:fld id="{FB30EDBD-1C2D-4C1E-B459-B60219FAB484}" type="datetimeFigureOut">
               <a:rPr lang="ko-KR" altLang="en-US" smtClean="0"/>
-              <a:t>2020-02-11</a:t>
+              <a:t>2020-02-27</a:t>
             </a:fld>
             <a:endParaRPr lang="ko-KR" altLang="en-US"/>
           </a:p>
@@ -1247,7 +1332,7 @@
           <a:p>
             <a:fld id="{FB30EDBD-1C2D-4C1E-B459-B60219FAB484}" type="datetimeFigureOut">
               <a:rPr lang="ko-KR" altLang="en-US" smtClean="0"/>
-              <a:t>2020-02-11</a:t>
+              <a:t>2020-02-27</a:t>
             </a:fld>
             <a:endParaRPr lang="ko-KR" altLang="en-US"/>
           </a:p>
@@ -1420,7 +1505,7 @@
           <a:p>
             <a:fld id="{FB30EDBD-1C2D-4C1E-B459-B60219FAB484}" type="datetimeFigureOut">
               <a:rPr lang="ko-KR" altLang="en-US" smtClean="0"/>
-              <a:t>2020-02-11</a:t>
+              <a:t>2020-02-27</a:t>
             </a:fld>
             <a:endParaRPr lang="ko-KR" altLang="en-US"/>
           </a:p>
@@ -1583,7 +1668,7 @@
           <a:p>
             <a:fld id="{FB30EDBD-1C2D-4C1E-B459-B60219FAB484}" type="datetimeFigureOut">
               <a:rPr lang="ko-KR" altLang="en-US" smtClean="0"/>
-              <a:t>2020-02-11</a:t>
+              <a:t>2020-02-27</a:t>
             </a:fld>
             <a:endParaRPr lang="ko-KR" altLang="en-US"/>
           </a:p>
@@ -1823,7 +1908,7 @@
           <a:p>
             <a:fld id="{FB30EDBD-1C2D-4C1E-B459-B60219FAB484}" type="datetimeFigureOut">
               <a:rPr lang="ko-KR" altLang="en-US" smtClean="0"/>
-              <a:t>2020-02-11</a:t>
+              <a:t>2020-02-27</a:t>
             </a:fld>
             <a:endParaRPr lang="ko-KR" altLang="en-US"/>
           </a:p>
@@ -2103,7 +2188,7 @@
           <a:p>
             <a:fld id="{FB30EDBD-1C2D-4C1E-B459-B60219FAB484}" type="datetimeFigureOut">
               <a:rPr lang="ko-KR" altLang="en-US" smtClean="0"/>
-              <a:t>2020-02-11</a:t>
+              <a:t>2020-02-27</a:t>
             </a:fld>
             <a:endParaRPr lang="ko-KR" altLang="en-US"/>
           </a:p>
@@ -2517,7 +2602,7 @@
           <a:p>
             <a:fld id="{FB30EDBD-1C2D-4C1E-B459-B60219FAB484}" type="datetimeFigureOut">
               <a:rPr lang="ko-KR" altLang="en-US" smtClean="0"/>
-              <a:t>2020-02-11</a:t>
+              <a:t>2020-02-27</a:t>
             </a:fld>
             <a:endParaRPr lang="ko-KR" altLang="en-US"/>
           </a:p>
@@ -2629,7 +2714,7 @@
           <a:p>
             <a:fld id="{FB30EDBD-1C2D-4C1E-B459-B60219FAB484}" type="datetimeFigureOut">
               <a:rPr lang="ko-KR" altLang="en-US" smtClean="0"/>
-              <a:t>2020-02-11</a:t>
+              <a:t>2020-02-27</a:t>
             </a:fld>
             <a:endParaRPr lang="ko-KR" altLang="en-US"/>
           </a:p>
@@ -2719,7 +2804,7 @@
           <a:p>
             <a:fld id="{FB30EDBD-1C2D-4C1E-B459-B60219FAB484}" type="datetimeFigureOut">
               <a:rPr lang="ko-KR" altLang="en-US" smtClean="0"/>
-              <a:t>2020-02-11</a:t>
+              <a:t>2020-02-27</a:t>
             </a:fld>
             <a:endParaRPr lang="ko-KR" altLang="en-US"/>
           </a:p>
@@ -2989,7 +3074,7 @@
           <a:p>
             <a:fld id="{FB30EDBD-1C2D-4C1E-B459-B60219FAB484}" type="datetimeFigureOut">
               <a:rPr lang="ko-KR" altLang="en-US" smtClean="0"/>
-              <a:t>2020-02-11</a:t>
+              <a:t>2020-02-27</a:t>
             </a:fld>
             <a:endParaRPr lang="ko-KR" altLang="en-US"/>
           </a:p>
@@ -3236,7 +3321,7 @@
           <a:p>
             <a:fld id="{FB30EDBD-1C2D-4C1E-B459-B60219FAB484}" type="datetimeFigureOut">
               <a:rPr lang="ko-KR" altLang="en-US" smtClean="0"/>
-              <a:t>2020-02-11</a:t>
+              <a:t>2020-02-27</a:t>
             </a:fld>
             <a:endParaRPr lang="ko-KR" altLang="en-US"/>
           </a:p>
@@ -3442,7 +3527,7 @@
           <a:p>
             <a:fld id="{FB30EDBD-1C2D-4C1E-B459-B60219FAB484}" type="datetimeFigureOut">
               <a:rPr lang="ko-KR" altLang="en-US" smtClean="0"/>
-              <a:t>2020-02-11</a:t>
+              <a:t>2020-02-27</a:t>
             </a:fld>
             <a:endParaRPr lang="ko-KR" altLang="en-US"/>
           </a:p>
@@ -4034,7 +4119,7 @@
             <a:pPr algn="ctr"/>
             <a:r>
               <a:rPr lang="en-US" altLang="ko-KR" sz="1400" b="1"/>
-              <a:t>RES</a:t>
+              <a:t>REP</a:t>
             </a:r>
             <a:endParaRPr lang="ko-KR" altLang="en-US" sz="1400" b="1"/>
           </a:p>
@@ -4382,7 +4467,7 @@
             <a:pPr algn="ctr"/>
             <a:r>
               <a:rPr lang="en-US" altLang="ko-KR" sz="1400" b="1"/>
-              <a:t>RES</a:t>
+              <a:t>REP</a:t>
             </a:r>
             <a:endParaRPr lang="ko-KR" altLang="en-US" sz="1400" b="1"/>
           </a:p>
@@ -4973,7 +5058,7 @@
             <a:pPr algn="ctr"/>
             <a:r>
               <a:rPr lang="en-US" altLang="ko-KR" sz="1400" b="1"/>
-              <a:t>RES</a:t>
+              <a:t>REP</a:t>
             </a:r>
             <a:endParaRPr lang="ko-KR" altLang="en-US" sz="1400" b="1"/>
           </a:p>
@@ -5073,7 +5158,7 @@
             <a:pPr algn="ctr"/>
             <a:r>
               <a:rPr lang="en-US" altLang="ko-KR" sz="1400" b="1"/>
-              <a:t>RES</a:t>
+              <a:t>REP</a:t>
             </a:r>
             <a:endParaRPr lang="ko-KR" altLang="en-US" sz="1400" b="1"/>
           </a:p>
@@ -7325,6 +7410,361 @@
 </file>
 
 <file path=ppt/slides/slide6.xml><?xml version="1.0" encoding="utf-8"?>
+<p:sld xmlns:a="http://schemas.openxmlformats.org/drawingml/2006/main" xmlns:r="http://schemas.openxmlformats.org/officeDocument/2006/relationships" xmlns:p="http://schemas.openxmlformats.org/presentationml/2006/main">
+  <p:cSld>
+    <p:spTree>
+      <p:nvGrpSpPr>
+        <p:cNvPr id="1" name=""/>
+        <p:cNvGrpSpPr/>
+        <p:nvPr/>
+      </p:nvGrpSpPr>
+      <p:grpSpPr>
+        <a:xfrm>
+          <a:off x="0" y="0"/>
+          <a:ext cx="0" cy="0"/>
+          <a:chOff x="0" y="0"/>
+          <a:chExt cx="0" cy="0"/>
+        </a:xfrm>
+      </p:grpSpPr>
+      <p:sp>
+        <p:nvSpPr>
+          <p:cNvPr id="2" name="제목 1"/>
+          <p:cNvSpPr>
+            <a:spLocks noGrp="1"/>
+          </p:cNvSpPr>
+          <p:nvPr>
+            <p:ph type="title"/>
+          </p:nvPr>
+        </p:nvSpPr>
+        <p:spPr>
+          <a:xfrm>
+            <a:off x="565354" y="-164554"/>
+            <a:ext cx="8229600" cy="857250"/>
+          </a:xfrm>
+        </p:spPr>
+        <p:txBody>
+          <a:bodyPr/>
+          <a:lstStyle/>
+          <a:p>
+            <a:r>
+              <a:rPr lang="en-US" altLang="ko-KR"/>
+              <a:t>Client-Side Reliability</a:t>
+            </a:r>
+            <a:endParaRPr lang="ko-KR" altLang="en-US"/>
+          </a:p>
+        </p:txBody>
+      </p:sp>
+      <p:sp>
+        <p:nvSpPr>
+          <p:cNvPr id="5" name="사각형: 둥근 모서리 4">
+            <a:extLst>
+              <a:ext uri="{FF2B5EF4-FFF2-40B4-BE49-F238E27FC236}">
+                <a16:creationId xmlns:a16="http://schemas.microsoft.com/office/drawing/2014/main" id="{4250ED54-4F83-4576-A1AD-DF798D619E09}"/>
+              </a:ext>
+            </a:extLst>
+          </p:cNvPr>
+          <p:cNvSpPr/>
+          <p:nvPr/>
+        </p:nvSpPr>
+        <p:spPr>
+          <a:xfrm>
+            <a:off x="3707904" y="1491630"/>
+            <a:ext cx="1728192" cy="1008112"/>
+          </a:xfrm>
+          <a:prstGeom prst="roundRect">
+            <a:avLst>
+              <a:gd name="adj" fmla="val 10545"/>
+            </a:avLst>
+          </a:prstGeom>
+        </p:spPr>
+        <p:style>
+          <a:lnRef idx="2">
+            <a:schemeClr val="dk1"/>
+          </a:lnRef>
+          <a:fillRef idx="1">
+            <a:schemeClr val="lt1"/>
+          </a:fillRef>
+          <a:effectRef idx="0">
+            <a:schemeClr val="dk1"/>
+          </a:effectRef>
+          <a:fontRef idx="minor">
+            <a:schemeClr val="dk1"/>
+          </a:fontRef>
+        </p:style>
+        <p:txBody>
+          <a:bodyPr rtlCol="0" anchor="t"/>
+          <a:lstStyle/>
+          <a:p>
+            <a:pPr algn="ctr"/>
+            <a:r>
+              <a:rPr lang="en-US" altLang="ko-KR" sz="1400"/>
+              <a:t>Client</a:t>
+            </a:r>
+          </a:p>
+          <a:p>
+            <a:pPr algn="ctr"/>
+            <a:r>
+              <a:rPr lang="en-US" altLang="ko-KR" sz="1400" b="1"/>
+              <a:t>Polling Response</a:t>
+            </a:r>
+            <a:endParaRPr lang="ko-KR" altLang="en-US" sz="1400" b="1"/>
+          </a:p>
+        </p:txBody>
+      </p:sp>
+      <p:sp>
+        <p:nvSpPr>
+          <p:cNvPr id="37" name="사각형: 둥근 모서리 36">
+            <a:extLst>
+              <a:ext uri="{FF2B5EF4-FFF2-40B4-BE49-F238E27FC236}">
+                <a16:creationId xmlns:a16="http://schemas.microsoft.com/office/drawing/2014/main" id="{1ADC6AFA-9868-458F-989D-4574C855DC8B}"/>
+              </a:ext>
+            </a:extLst>
+          </p:cNvPr>
+          <p:cNvSpPr/>
+          <p:nvPr/>
+        </p:nvSpPr>
+        <p:spPr>
+          <a:xfrm>
+            <a:off x="3923928" y="2096852"/>
+            <a:ext cx="1296144" cy="330882"/>
+          </a:xfrm>
+          <a:prstGeom prst="roundRect">
+            <a:avLst>
+              <a:gd name="adj" fmla="val 10545"/>
+            </a:avLst>
+          </a:prstGeom>
+        </p:spPr>
+        <p:style>
+          <a:lnRef idx="2">
+            <a:schemeClr val="dk1"/>
+          </a:lnRef>
+          <a:fillRef idx="1">
+            <a:schemeClr val="lt1"/>
+          </a:fillRef>
+          <a:effectRef idx="0">
+            <a:schemeClr val="dk1"/>
+          </a:effectRef>
+          <a:fontRef idx="minor">
+            <a:schemeClr val="dk1"/>
+          </a:fontRef>
+        </p:style>
+        <p:txBody>
+          <a:bodyPr rtlCol="0" anchor="ctr"/>
+          <a:lstStyle/>
+          <a:p>
+            <a:pPr algn="ctr"/>
+            <a:r>
+              <a:rPr lang="en-US" altLang="ko-KR" sz="1400" b="1"/>
+              <a:t>REQ</a:t>
+            </a:r>
+            <a:endParaRPr lang="ko-KR" altLang="en-US" sz="1400" b="1"/>
+          </a:p>
+        </p:txBody>
+      </p:sp>
+      <p:sp>
+        <p:nvSpPr>
+          <p:cNvPr id="38" name="사각형: 둥근 모서리 37">
+            <a:extLst>
+              <a:ext uri="{FF2B5EF4-FFF2-40B4-BE49-F238E27FC236}">
+                <a16:creationId xmlns:a16="http://schemas.microsoft.com/office/drawing/2014/main" id="{EB41307C-DBC9-4C15-9590-B45FA52A39BC}"/>
+              </a:ext>
+            </a:extLst>
+          </p:cNvPr>
+          <p:cNvSpPr/>
+          <p:nvPr/>
+        </p:nvSpPr>
+        <p:spPr>
+          <a:xfrm>
+            <a:off x="3707904" y="2931790"/>
+            <a:ext cx="1728192" cy="720080"/>
+          </a:xfrm>
+          <a:prstGeom prst="roundRect">
+            <a:avLst>
+              <a:gd name="adj" fmla="val 10545"/>
+            </a:avLst>
+          </a:prstGeom>
+        </p:spPr>
+        <p:style>
+          <a:lnRef idx="2">
+            <a:schemeClr val="dk1"/>
+          </a:lnRef>
+          <a:fillRef idx="1">
+            <a:schemeClr val="lt1"/>
+          </a:fillRef>
+          <a:effectRef idx="0">
+            <a:schemeClr val="dk1"/>
+          </a:effectRef>
+          <a:fontRef idx="minor">
+            <a:schemeClr val="dk1"/>
+          </a:fontRef>
+        </p:style>
+        <p:txBody>
+          <a:bodyPr rtlCol="0" anchor="b"/>
+          <a:lstStyle/>
+          <a:p>
+            <a:pPr algn="ctr"/>
+            <a:r>
+              <a:rPr lang="en-US" altLang="ko-KR" sz="1400"/>
+              <a:t>Server</a:t>
+            </a:r>
+            <a:endParaRPr lang="ko-KR" altLang="en-US" sz="1400"/>
+          </a:p>
+        </p:txBody>
+      </p:sp>
+      <p:sp>
+        <p:nvSpPr>
+          <p:cNvPr id="39" name="사각형: 둥근 모서리 38">
+            <a:extLst>
+              <a:ext uri="{FF2B5EF4-FFF2-40B4-BE49-F238E27FC236}">
+                <a16:creationId xmlns:a16="http://schemas.microsoft.com/office/drawing/2014/main" id="{91EFB13F-3265-4446-BCE8-8B8319CFC6B6}"/>
+              </a:ext>
+            </a:extLst>
+          </p:cNvPr>
+          <p:cNvSpPr/>
+          <p:nvPr/>
+        </p:nvSpPr>
+        <p:spPr>
+          <a:xfrm>
+            <a:off x="3923928" y="3003798"/>
+            <a:ext cx="1296144" cy="330882"/>
+          </a:xfrm>
+          <a:prstGeom prst="roundRect">
+            <a:avLst>
+              <a:gd name="adj" fmla="val 10545"/>
+            </a:avLst>
+          </a:prstGeom>
+        </p:spPr>
+        <p:style>
+          <a:lnRef idx="2">
+            <a:schemeClr val="dk1"/>
+          </a:lnRef>
+          <a:fillRef idx="1">
+            <a:schemeClr val="lt1"/>
+          </a:fillRef>
+          <a:effectRef idx="0">
+            <a:schemeClr val="dk1"/>
+          </a:effectRef>
+          <a:fontRef idx="minor">
+            <a:schemeClr val="dk1"/>
+          </a:fontRef>
+        </p:style>
+        <p:txBody>
+          <a:bodyPr rtlCol="0" anchor="ctr"/>
+          <a:lstStyle/>
+          <a:p>
+            <a:pPr algn="ctr"/>
+            <a:r>
+              <a:rPr lang="en-US" altLang="ko-KR" sz="1400" b="1"/>
+              <a:t>REP</a:t>
+            </a:r>
+            <a:endParaRPr lang="ko-KR" altLang="en-US" sz="1400" b="1"/>
+          </a:p>
+        </p:txBody>
+      </p:sp>
+      <p:cxnSp>
+        <p:nvCxnSpPr>
+          <p:cNvPr id="8" name="직선 연결선 7">
+            <a:extLst>
+              <a:ext uri="{FF2B5EF4-FFF2-40B4-BE49-F238E27FC236}">
+                <a16:creationId xmlns:a16="http://schemas.microsoft.com/office/drawing/2014/main" id="{8AB88137-697A-4F3F-A2A1-B6D775FCE2B2}"/>
+              </a:ext>
+            </a:extLst>
+          </p:cNvPr>
+          <p:cNvCxnSpPr>
+            <a:cxnSpLocks/>
+          </p:cNvCxnSpPr>
+          <p:nvPr/>
+        </p:nvCxnSpPr>
+        <p:spPr>
+          <a:xfrm>
+            <a:off x="4283968" y="2427734"/>
+            <a:ext cx="0" cy="576064"/>
+          </a:xfrm>
+          <a:prstGeom prst="line">
+            <a:avLst/>
+          </a:prstGeom>
+          <a:ln w="28575">
+            <a:solidFill>
+              <a:schemeClr val="tx1"/>
+            </a:solidFill>
+            <a:headEnd type="none" w="med" len="med"/>
+            <a:tailEnd type="arrow" w="med" len="med"/>
+          </a:ln>
+        </p:spPr>
+        <p:style>
+          <a:lnRef idx="1">
+            <a:schemeClr val="accent1"/>
+          </a:lnRef>
+          <a:fillRef idx="0">
+            <a:schemeClr val="accent1"/>
+          </a:fillRef>
+          <a:effectRef idx="0">
+            <a:schemeClr val="accent1"/>
+          </a:effectRef>
+          <a:fontRef idx="minor">
+            <a:schemeClr val="tx1"/>
+          </a:fontRef>
+        </p:style>
+      </p:cxnSp>
+      <p:cxnSp>
+        <p:nvCxnSpPr>
+          <p:cNvPr id="12" name="직선 연결선 11">
+            <a:extLst>
+              <a:ext uri="{FF2B5EF4-FFF2-40B4-BE49-F238E27FC236}">
+                <a16:creationId xmlns:a16="http://schemas.microsoft.com/office/drawing/2014/main" id="{67F7A4CB-A6F8-4672-B5B5-ED0A2DFA54A2}"/>
+              </a:ext>
+            </a:extLst>
+          </p:cNvPr>
+          <p:cNvCxnSpPr>
+            <a:cxnSpLocks/>
+          </p:cNvCxnSpPr>
+          <p:nvPr/>
+        </p:nvCxnSpPr>
+        <p:spPr>
+          <a:xfrm>
+            <a:off x="4860032" y="2427734"/>
+            <a:ext cx="0" cy="576064"/>
+          </a:xfrm>
+          <a:prstGeom prst="line">
+            <a:avLst/>
+          </a:prstGeom>
+          <a:ln w="28575">
+            <a:solidFill>
+              <a:schemeClr val="tx1"/>
+            </a:solidFill>
+            <a:headEnd type="arrow" w="med" len="med"/>
+            <a:tailEnd type="none" w="med" len="med"/>
+          </a:ln>
+        </p:spPr>
+        <p:style>
+          <a:lnRef idx="1">
+            <a:schemeClr val="accent1"/>
+          </a:lnRef>
+          <a:fillRef idx="0">
+            <a:schemeClr val="accent1"/>
+          </a:fillRef>
+          <a:effectRef idx="0">
+            <a:schemeClr val="accent1"/>
+          </a:effectRef>
+          <a:fontRef idx="minor">
+            <a:schemeClr val="tx1"/>
+          </a:fontRef>
+        </p:style>
+      </p:cxnSp>
+    </p:spTree>
+    <p:extLst>
+      <p:ext uri="{BB962C8B-B14F-4D97-AF65-F5344CB8AC3E}">
+        <p14:creationId xmlns:p14="http://schemas.microsoft.com/office/powerpoint/2010/main" val="2634071134"/>
+      </p:ext>
+    </p:extLst>
+  </p:cSld>
+  <p:clrMapOvr>
+    <a:masterClrMapping/>
+  </p:clrMapOvr>
+</p:sld>
+</file>
+
+<file path=ppt/slides/slide7.xml><?xml version="1.0" encoding="utf-8"?>
 <p:sld xmlns:a="http://schemas.openxmlformats.org/drawingml/2006/main" xmlns:r="http://schemas.openxmlformats.org/officeDocument/2006/relationships" xmlns:p="http://schemas.openxmlformats.org/presentationml/2006/main">
   <p:cSld>
     <p:spTree>
